--- a/Praesentation/Präsentation.pptx
+++ b/Praesentation/Präsentation.pptx
@@ -107,6 +107,11 @@
       </a:defRPr>
     </a:lvl9pPr>
   </p:defaultTextStyle>
+  <p:extLst>
+    <p:ext uri="{EFAFB233-063F-42B5-8137-9DF3F51BA10A}">
+      <p15:sldGuideLst xmlns:p15="http://schemas.microsoft.com/office/powerpoint/2012/main"/>
+    </p:ext>
+  </p:extLst>
 </p:presentation>
 </file>
 
@@ -459,6 +464,90 @@
 </p:notesMaster>
 </file>
 
+<file path=ppt/notesSlides/notesSlide1.xml><?xml version="1.0" encoding="utf-8"?>
+<p:notes xmlns:a="http://schemas.openxmlformats.org/drawingml/2006/main" xmlns:r="http://schemas.openxmlformats.org/officeDocument/2006/relationships" xmlns:p="http://schemas.openxmlformats.org/presentationml/2006/main">
+  <p:cSld>
+    <p:spTree>
+      <p:nvGrpSpPr>
+        <p:cNvPr id="1" name=""/>
+        <p:cNvGrpSpPr/>
+        <p:nvPr/>
+      </p:nvGrpSpPr>
+      <p:grpSpPr>
+        <a:xfrm>
+          <a:off x="0" y="0"/>
+          <a:ext cx="0" cy="0"/>
+          <a:chOff x="0" y="0"/>
+          <a:chExt cx="0" cy="0"/>
+        </a:xfrm>
+      </p:grpSpPr>
+      <p:sp>
+        <p:nvSpPr>
+          <p:cNvPr id="2" name="Folienbildplatzhalter 1"/>
+          <p:cNvSpPr>
+            <a:spLocks noGrp="1" noRot="1" noChangeAspect="1"/>
+          </p:cNvSpPr>
+          <p:nvPr>
+            <p:ph type="sldImg"/>
+          </p:nvPr>
+        </p:nvSpPr>
+        <p:spPr/>
+      </p:sp>
+      <p:sp>
+        <p:nvSpPr>
+          <p:cNvPr id="3" name="Notizenplatzhalter 2"/>
+          <p:cNvSpPr>
+            <a:spLocks noGrp="1"/>
+          </p:cNvSpPr>
+          <p:nvPr>
+            <p:ph type="body" idx="1"/>
+          </p:nvPr>
+        </p:nvSpPr>
+        <p:spPr/>
+        <p:txBody>
+          <a:bodyPr/>
+          <a:lstStyle/>
+          <a:p>
+            <a:endParaRPr lang="de-DE" dirty="0"/>
+          </a:p>
+        </p:txBody>
+      </p:sp>
+      <p:sp>
+        <p:nvSpPr>
+          <p:cNvPr id="4" name="Foliennummernplatzhalter 3"/>
+          <p:cNvSpPr>
+            <a:spLocks noGrp="1"/>
+          </p:cNvSpPr>
+          <p:nvPr>
+            <p:ph type="sldNum" sz="quarter" idx="5"/>
+          </p:nvPr>
+        </p:nvSpPr>
+        <p:spPr/>
+        <p:txBody>
+          <a:bodyPr/>
+          <a:lstStyle/>
+          <a:p>
+            <a:fld id="{8E3FD1CF-0E1D-4675-B492-5B2F389D4012}" type="slidenum">
+              <a:rPr lang="de-DE" smtClean="0"/>
+              <a:t>1</a:t>
+            </a:fld>
+            <a:endParaRPr lang="de-DE"/>
+          </a:p>
+        </p:txBody>
+      </p:sp>
+    </p:spTree>
+    <p:extLst>
+      <p:ext uri="{BB962C8B-B14F-4D97-AF65-F5344CB8AC3E}">
+        <p14:creationId xmlns:p14="http://schemas.microsoft.com/office/powerpoint/2010/main" val="2166958382"/>
+      </p:ext>
+    </p:extLst>
+  </p:cSld>
+  <p:clrMapOvr>
+    <a:masterClrMapping/>
+  </p:clrMapOvr>
+</p:notes>
+</file>
+
 <file path=ppt/slideLayouts/slideLayout1.xml><?xml version="1.0" encoding="utf-8"?>
 <p:sldLayout xmlns:a="http://schemas.openxmlformats.org/drawingml/2006/main" xmlns:r="http://schemas.openxmlformats.org/officeDocument/2006/relationships" xmlns:p="http://schemas.openxmlformats.org/presentationml/2006/main" type="title" preserve="1">
   <p:cSld name="Title Slide">
@@ -609,7 +698,7 @@
           <a:bodyPr/>
           <a:lstStyle/>
           <a:p>
-            <a:fld id="{81B8F32D-D8B6-4B9E-9CBF-DCAC30B7B93D}" type="datetimeFigureOut">
+            <a:fld id="{3F26FAF6-7D16-424E-AF54-44F125F62194}" type="datetime1">
               <a:rPr lang="en-US" smtClean="0"/>
               <a:t>7/1/2023</a:t>
             </a:fld>
@@ -638,7 +727,10 @@
           <a:bodyPr/>
           <a:lstStyle/>
           <a:p>
-            <a:endParaRPr lang="en-US"/>
+            <a:r>
+              <a:rPr lang="en-US"/>
+              <a:t>Abbildung:https://www.agroscope.admin.ch/agroscope/de/home/themen/lebensmittel/sensorik/_jcr_content/par/columncontrols/items/0/column/image/image.imagespooler.jpg/1610628125235/grundlagen-sensorik.jpg</a:t>
+            </a:r>
           </a:p>
         </p:txBody>
       </p:sp>
@@ -925,7 +1017,7 @@
           <a:bodyPr/>
           <a:lstStyle/>
           <a:p>
-            <a:fld id="{81B8F32D-D8B6-4B9E-9CBF-DCAC30B7B93D}" type="datetimeFigureOut">
+            <a:fld id="{F72117B0-E234-498D-9915-94CEB490822C}" type="datetime1">
               <a:rPr lang="en-US" smtClean="0"/>
               <a:t>7/1/2023</a:t>
             </a:fld>
@@ -954,7 +1046,10 @@
           <a:bodyPr/>
           <a:lstStyle/>
           <a:p>
-            <a:endParaRPr lang="en-US"/>
+            <a:r>
+              <a:rPr lang="en-US"/>
+              <a:t>Abbildung:https://www.agroscope.admin.ch/agroscope/de/home/themen/lebensmittel/sensorik/_jcr_content/par/columncontrols/items/0/column/image/image.imagespooler.jpg/1610628125235/grundlagen-sensorik.jpg</a:t>
+            </a:r>
           </a:p>
         </p:txBody>
       </p:sp>
@@ -1230,7 +1325,7 @@
           <a:bodyPr/>
           <a:lstStyle/>
           <a:p>
-            <a:fld id="{81B8F32D-D8B6-4B9E-9CBF-DCAC30B7B93D}" type="datetimeFigureOut">
+            <a:fld id="{399B98F9-4A46-4F8A-ABB2-75A90CFD99FF}" type="datetime1">
               <a:rPr lang="en-US" smtClean="0"/>
               <a:t>7/1/2023</a:t>
             </a:fld>
@@ -1259,7 +1354,10 @@
           <a:bodyPr/>
           <a:lstStyle/>
           <a:p>
-            <a:endParaRPr lang="en-US"/>
+            <a:r>
+              <a:rPr lang="en-US"/>
+              <a:t>Abbildung:https://www.agroscope.admin.ch/agroscope/de/home/themen/lebensmittel/sensorik/_jcr_content/par/columncontrols/items/0/column/image/image.imagespooler.jpg/1610628125235/grundlagen-sensorik.jpg</a:t>
+            </a:r>
           </a:p>
         </p:txBody>
       </p:sp>
@@ -1437,7 +1535,7 @@
           <a:bodyPr/>
           <a:lstStyle/>
           <a:p>
-            <a:fld id="{81B8F32D-D8B6-4B9E-9CBF-DCAC30B7B93D}" type="datetimeFigureOut">
+            <a:fld id="{DE9C87ED-63DF-45F6-81F9-FDECF33C2E6B}" type="datetime1">
               <a:rPr lang="en-US" smtClean="0"/>
               <a:t>7/1/2023</a:t>
             </a:fld>
@@ -1466,7 +1564,10 @@
           <a:bodyPr/>
           <a:lstStyle/>
           <a:p>
-            <a:endParaRPr lang="en-US"/>
+            <a:r>
+              <a:rPr lang="en-US"/>
+              <a:t>Abbildung:https://www.agroscope.admin.ch/agroscope/de/home/themen/lebensmittel/sensorik/_jcr_content/par/columncontrols/items/0/column/image/image.imagespooler.jpg/1610628125235/grundlagen-sensorik.jpg</a:t>
+            </a:r>
           </a:p>
         </p:txBody>
       </p:sp>
@@ -1785,7 +1886,7 @@
           <a:bodyPr/>
           <a:lstStyle/>
           <a:p>
-            <a:fld id="{81B8F32D-D8B6-4B9E-9CBF-DCAC30B7B93D}" type="datetimeFigureOut">
+            <a:fld id="{6F939A04-71BE-443C-8608-560AACA4BDF9}" type="datetime1">
               <a:rPr lang="en-US" smtClean="0"/>
               <a:t>7/1/2023</a:t>
             </a:fld>
@@ -1814,7 +1915,10 @@
           <a:bodyPr/>
           <a:lstStyle/>
           <a:p>
-            <a:endParaRPr lang="en-US"/>
+            <a:r>
+              <a:rPr lang="en-US"/>
+              <a:t>Abbildung:https://www.agroscope.admin.ch/agroscope/de/home/themen/lebensmittel/sensorik/_jcr_content/par/columncontrols/items/0/column/image/image.imagespooler.jpg/1610628125235/grundlagen-sensorik.jpg</a:t>
+            </a:r>
           </a:p>
         </p:txBody>
       </p:sp>
@@ -2256,7 +2360,7 @@
           <a:bodyPr/>
           <a:lstStyle/>
           <a:p>
-            <a:fld id="{81B8F32D-D8B6-4B9E-9CBF-DCAC30B7B93D}" type="datetimeFigureOut">
+            <a:fld id="{3A9618C8-E437-46AB-85C0-85D7D3EE8E35}" type="datetime1">
               <a:rPr lang="en-US" smtClean="0"/>
               <a:t>7/1/2023</a:t>
             </a:fld>
@@ -2285,7 +2389,10 @@
           <a:bodyPr/>
           <a:lstStyle/>
           <a:p>
-            <a:endParaRPr lang="en-US"/>
+            <a:r>
+              <a:rPr lang="en-US"/>
+              <a:t>Abbildung:https://www.agroscope.admin.ch/agroscope/de/home/themen/lebensmittel/sensorik/_jcr_content/par/columncontrols/items/0/column/image/image.imagespooler.jpg/1610628125235/grundlagen-sensorik.jpg</a:t>
+            </a:r>
           </a:p>
         </p:txBody>
       </p:sp>
@@ -2791,7 +2898,7 @@
           <a:bodyPr/>
           <a:lstStyle/>
           <a:p>
-            <a:fld id="{81B8F32D-D8B6-4B9E-9CBF-DCAC30B7B93D}" type="datetimeFigureOut">
+            <a:fld id="{6B108C04-86F6-417E-9DD5-5B5D724C7629}" type="datetime1">
               <a:rPr lang="en-US" smtClean="0"/>
               <a:t>7/1/2023</a:t>
             </a:fld>
@@ -2825,7 +2932,10 @@
           <a:bodyPr/>
           <a:lstStyle/>
           <a:p>
-            <a:endParaRPr lang="en-US"/>
+            <a:r>
+              <a:rPr lang="en-US"/>
+              <a:t>Abbildung:https://www.agroscope.admin.ch/agroscope/de/home/themen/lebensmittel/sensorik/_jcr_content/par/columncontrols/items/0/column/image/image.imagespooler.jpg/1610628125235/grundlagen-sensorik.jpg</a:t>
+            </a:r>
           </a:p>
         </p:txBody>
       </p:sp>
@@ -3008,7 +3118,7 @@
           <a:bodyPr/>
           <a:lstStyle/>
           <a:p>
-            <a:fld id="{81B8F32D-D8B6-4B9E-9CBF-DCAC30B7B93D}" type="datetimeFigureOut">
+            <a:fld id="{318F4818-B2F3-41DD-B167-34CD78A231D5}" type="datetime1">
               <a:rPr lang="en-US" smtClean="0"/>
               <a:t>7/1/2023</a:t>
             </a:fld>
@@ -3037,7 +3147,10 @@
           <a:bodyPr/>
           <a:lstStyle/>
           <a:p>
-            <a:endParaRPr lang="en-US"/>
+            <a:r>
+              <a:rPr lang="en-US"/>
+              <a:t>Abbildung:https://www.agroscope.admin.ch/agroscope/de/home/themen/lebensmittel/sensorik/_jcr_content/par/columncontrols/items/0/column/image/image.imagespooler.jpg/1610628125235/grundlagen-sensorik.jpg</a:t>
+            </a:r>
           </a:p>
         </p:txBody>
       </p:sp>
@@ -3213,7 +3326,7 @@
           <a:bodyPr/>
           <a:lstStyle/>
           <a:p>
-            <a:fld id="{81B8F32D-D8B6-4B9E-9CBF-DCAC30B7B93D}" type="datetimeFigureOut">
+            <a:fld id="{C6C4FFD7-ADC5-4744-8E3F-F692DFE3279E}" type="datetime1">
               <a:rPr lang="en-US" smtClean="0"/>
               <a:t>7/1/2023</a:t>
             </a:fld>
@@ -3242,7 +3355,10 @@
           <a:bodyPr/>
           <a:lstStyle/>
           <a:p>
-            <a:endParaRPr lang="en-US"/>
+            <a:r>
+              <a:rPr lang="en-US"/>
+              <a:t>Abbildung:https://www.agroscope.admin.ch/agroscope/de/home/themen/lebensmittel/sensorik/_jcr_content/par/columncontrols/items/0/column/image/image.imagespooler.jpg/1610628125235/grundlagen-sensorik.jpg</a:t>
+            </a:r>
           </a:p>
         </p:txBody>
       </p:sp>
@@ -3543,7 +3659,7 @@
           <a:bodyPr/>
           <a:lstStyle/>
           <a:p>
-            <a:fld id="{81B8F32D-D8B6-4B9E-9CBF-DCAC30B7B93D}" type="datetimeFigureOut">
+            <a:fld id="{DA5663EE-54C9-480B-B573-91A30A144009}" type="datetime1">
               <a:rPr lang="en-US" smtClean="0"/>
               <a:t>7/1/2023</a:t>
             </a:fld>
@@ -3572,7 +3688,10 @@
           <a:bodyPr/>
           <a:lstStyle/>
           <a:p>
-            <a:endParaRPr lang="en-US"/>
+            <a:r>
+              <a:rPr lang="en-US"/>
+              <a:t>Abbildung:https://www.agroscope.admin.ch/agroscope/de/home/themen/lebensmittel/sensorik/_jcr_content/par/columncontrols/items/0/column/image/image.imagespooler.jpg/1610628125235/grundlagen-sensorik.jpg</a:t>
+            </a:r>
           </a:p>
         </p:txBody>
       </p:sp>
@@ -3853,7 +3972,7 @@
           <a:bodyPr/>
           <a:lstStyle/>
           <a:p>
-            <a:fld id="{81B8F32D-D8B6-4B9E-9CBF-DCAC30B7B93D}" type="datetimeFigureOut">
+            <a:fld id="{66AB1B25-3194-40A3-ADA1-72DD4998792F}" type="datetime1">
               <a:rPr lang="en-US" smtClean="0"/>
               <a:t>7/1/2023</a:t>
             </a:fld>
@@ -3882,7 +4001,10 @@
           <a:bodyPr/>
           <a:lstStyle/>
           <a:p>
-            <a:endParaRPr lang="en-US"/>
+            <a:r>
+              <a:rPr lang="en-US"/>
+              <a:t>Abbildung:https://www.agroscope.admin.ch/agroscope/de/home/themen/lebensmittel/sensorik/_jcr_content/par/columncontrols/items/0/column/image/image.imagespooler.jpg/1610628125235/grundlagen-sensorik.jpg</a:t>
+            </a:r>
           </a:p>
         </p:txBody>
       </p:sp>
@@ -4093,9 +4215,8 @@
             </a:lvl1pPr>
           </a:lstStyle>
           <a:p>
-            <a:fld id="{81B8F32D-D8B6-4B9E-9CBF-DCAC30B7B93D}" type="datetimeFigureOut">
+            <a:fld id="{083D4BE3-1A36-43C9-9FCA-47C36BA8238D}" type="datetime1">
               <a:rPr lang="en-US" smtClean="0"/>
-              <a:pPr/>
               <a:t>7/1/2023</a:t>
             </a:fld>
             <a:endParaRPr lang="en-US" dirty="0"/>
@@ -4139,6 +4260,10 @@
             </a:lvl1pPr>
           </a:lstStyle>
           <a:p>
+            <a:r>
+              <a:rPr lang="en-US"/>
+              <a:t>Abbildung:https://www.agroscope.admin.ch/agroscope/de/home/themen/lebensmittel/sensorik/_jcr_content/par/columncontrols/items/0/column/image/image.imagespooler.jpg/1610628125235/grundlagen-sensorik.jpg</a:t>
+            </a:r>
             <a:endParaRPr lang="en-US" dirty="0"/>
           </a:p>
         </p:txBody>
@@ -4302,6 +4427,7 @@
     <p:sldLayoutId id="2147483667" r:id="rId10"/>
     <p:sldLayoutId id="2147483669" r:id="rId11"/>
   </p:sldLayoutIdLst>
+  <p:hf sldNum="0" hdr="0" dt="0"/>
   <p:txStyles>
     <p:titleStyle>
       <a:lvl1pPr algn="l" defTabSz="914400" rtl="0" eaLnBrk="1" latinLnBrk="0" hangingPunct="1">
@@ -4893,7 +5019,7 @@
           <p:nvPr/>
         </p:nvPicPr>
         <p:blipFill rotWithShape="1">
-          <a:blip r:embed="rId2">
+          <a:blip r:embed="rId3">
             <a:alphaModFix/>
           </a:blip>
           <a:srcRect t="25000"/>
@@ -5019,9 +5145,7 @@
             <a:r>
               <a:rPr lang="de-DE" dirty="0">
                 <a:solidFill>
-                  <a:schemeClr val="accent2">
-                    <a:lumMod val="75000"/>
-                  </a:schemeClr>
+                  <a:srgbClr val="697850"/>
                 </a:solidFill>
                 <a:latin typeface="Calibri" panose="020F0502020204030204" pitchFamily="34" charset="0"/>
                 <a:ea typeface="Calibri" panose="020F0502020204030204" pitchFamily="34" charset="0"/>
@@ -5038,36 +5162,6 @@
             <a:extLst>
               <a:ext uri="{FF2B5EF4-FFF2-40B4-BE49-F238E27FC236}">
                 <a16:creationId xmlns:a16="http://schemas.microsoft.com/office/drawing/2014/main" id="{CD2EB9A5-9CEC-5152-FD20-A43F897D01F2}"/>
-              </a:ext>
-            </a:extLst>
-          </p:cNvPr>
-          <p:cNvPicPr>
-            <a:picLocks noChangeAspect="1"/>
-          </p:cNvPicPr>
-          <p:nvPr/>
-        </p:nvPicPr>
-        <p:blipFill>
-          <a:blip r:embed="rId3"/>
-          <a:stretch>
-            <a:fillRect/>
-          </a:stretch>
-        </p:blipFill>
-        <p:spPr>
-          <a:xfrm>
-            <a:off x="4844368" y="822907"/>
-            <a:ext cx="2503244" cy="5396845"/>
-          </a:xfrm>
-          <a:prstGeom prst="rect">
-            <a:avLst/>
-          </a:prstGeom>
-        </p:spPr>
-      </p:pic>
-      <p:pic>
-        <p:nvPicPr>
-          <p:cNvPr id="26" name="Grafik 25">
-            <a:extLst>
-              <a:ext uri="{FF2B5EF4-FFF2-40B4-BE49-F238E27FC236}">
-                <a16:creationId xmlns:a16="http://schemas.microsoft.com/office/drawing/2014/main" id="{B1819BCD-AB43-1CF1-12AC-1A0DB2033024}"/>
               </a:ext>
             </a:extLst>
           </p:cNvPr>
@@ -5084,8 +5178,8 @@
         </p:blipFill>
         <p:spPr>
           <a:xfrm>
-            <a:off x="1173239" y="3304245"/>
-            <a:ext cx="2099923" cy="2460734"/>
+            <a:off x="4844368" y="822907"/>
+            <a:ext cx="2503244" cy="5396845"/>
           </a:xfrm>
           <a:prstGeom prst="rect">
             <a:avLst/>
@@ -5094,10 +5188,10 @@
       </p:pic>
       <p:pic>
         <p:nvPicPr>
-          <p:cNvPr id="30" name="Grafik 29" descr="Ein Bild, das Screenshot, Grafiken, Kreis, Grafikdesign enthält.">
-            <a:extLst>
-              <a:ext uri="{FF2B5EF4-FFF2-40B4-BE49-F238E27FC236}">
-                <a16:creationId xmlns:a16="http://schemas.microsoft.com/office/drawing/2014/main" id="{5270A9B5-2D6E-3251-9FF0-AB8C0503A984}"/>
+          <p:cNvPr id="26" name="Grafik 25">
+            <a:extLst>
+              <a:ext uri="{FF2B5EF4-FFF2-40B4-BE49-F238E27FC236}">
+                <a16:creationId xmlns:a16="http://schemas.microsoft.com/office/drawing/2014/main" id="{B1819BCD-AB43-1CF1-12AC-1A0DB2033024}"/>
               </a:ext>
             </a:extLst>
           </p:cNvPr>
@@ -5107,21 +5201,15 @@
           <p:nvPr/>
         </p:nvPicPr>
         <p:blipFill>
-          <a:blip r:embed="rId5">
-            <a:extLst>
-              <a:ext uri="{28A0092B-C50C-407E-A947-70E740481C1C}">
-                <a14:useLocalDpi xmlns:a14="http://schemas.microsoft.com/office/drawing/2010/main" val="0"/>
-              </a:ext>
-            </a:extLst>
-          </a:blip>
+          <a:blip r:embed="rId5"/>
           <a:stretch>
             <a:fillRect/>
           </a:stretch>
         </p:blipFill>
         <p:spPr>
           <a:xfrm>
-            <a:off x="1125739" y="798341"/>
-            <a:ext cx="2592891" cy="1621141"/>
+            <a:off x="1173239" y="3304245"/>
+            <a:ext cx="2099923" cy="2460734"/>
           </a:xfrm>
           <a:prstGeom prst="rect">
             <a:avLst/>
@@ -5130,10 +5218,10 @@
       </p:pic>
       <p:pic>
         <p:nvPicPr>
-          <p:cNvPr id="34" name="Grafik 33">
-            <a:extLst>
-              <a:ext uri="{FF2B5EF4-FFF2-40B4-BE49-F238E27FC236}">
-                <a16:creationId xmlns:a16="http://schemas.microsoft.com/office/drawing/2014/main" id="{17318DC3-38EA-7ABD-2C22-2FC0FDD9C15D}"/>
+          <p:cNvPr id="30" name="Grafik 29" descr="Ein Bild, das Screenshot, Grafiken, Kreis, Grafikdesign enthält.">
+            <a:extLst>
+              <a:ext uri="{FF2B5EF4-FFF2-40B4-BE49-F238E27FC236}">
+                <a16:creationId xmlns:a16="http://schemas.microsoft.com/office/drawing/2014/main" id="{5270A9B5-2D6E-3251-9FF0-AB8C0503A984}"/>
               </a:ext>
             </a:extLst>
           </p:cNvPr>
@@ -5143,60 +5231,98 @@
           <p:nvPr/>
         </p:nvPicPr>
         <p:blipFill>
-          <a:blip r:embed="rId6"/>
+          <a:blip r:embed="rId6">
+            <a:extLst>
+              <a:ext uri="{28A0092B-C50C-407E-A947-70E740481C1C}">
+                <a14:useLocalDpi xmlns:a14="http://schemas.microsoft.com/office/drawing/2010/main" val="0"/>
+              </a:ext>
+            </a:extLst>
+          </a:blip>
           <a:stretch>
             <a:fillRect/>
           </a:stretch>
         </p:blipFill>
         <p:spPr>
           <a:xfrm>
-            <a:off x="8117530" y="1908617"/>
-            <a:ext cx="3469662" cy="3040766"/>
+            <a:off x="1125739" y="798341"/>
+            <a:ext cx="2592891" cy="1621141"/>
           </a:xfrm>
           <a:prstGeom prst="rect">
             <a:avLst/>
           </a:prstGeom>
         </p:spPr>
       </p:pic>
-      <p:sp>
-        <p:nvSpPr>
-          <p:cNvPr id="35" name="Textfeld 34">
-            <a:extLst>
-              <a:ext uri="{FF2B5EF4-FFF2-40B4-BE49-F238E27FC236}">
-                <a16:creationId xmlns:a16="http://schemas.microsoft.com/office/drawing/2014/main" id="{9A1C74BC-13FE-18DC-63A3-BCA6370E995F}"/>
-              </a:ext>
-            </a:extLst>
-          </p:cNvPr>
-          <p:cNvSpPr txBox="1"/>
+      <p:pic>
+        <p:nvPicPr>
+          <p:cNvPr id="34" name="Grafik 33">
+            <a:extLst>
+              <a:ext uri="{FF2B5EF4-FFF2-40B4-BE49-F238E27FC236}">
+                <a16:creationId xmlns:a16="http://schemas.microsoft.com/office/drawing/2014/main" id="{17318DC3-38EA-7ABD-2C22-2FC0FDD9C15D}"/>
+              </a:ext>
+            </a:extLst>
+          </p:cNvPr>
+          <p:cNvPicPr>
+            <a:picLocks noChangeAspect="1"/>
+          </p:cNvPicPr>
           <p:nvPr/>
-        </p:nvSpPr>
-        <p:spPr>
-          <a:xfrm>
-            <a:off x="2422184" y="2701086"/>
-            <a:ext cx="7571303" cy="1015663"/>
+        </p:nvPicPr>
+        <p:blipFill>
+          <a:blip r:embed="rId7"/>
+          <a:stretch>
+            <a:fillRect/>
+          </a:stretch>
+        </p:blipFill>
+        <p:spPr>
+          <a:xfrm>
+            <a:off x="8117530" y="1908617"/>
+            <a:ext cx="3469662" cy="3040766"/>
           </a:xfrm>
           <a:prstGeom prst="rect">
             <a:avLst/>
           </a:prstGeom>
-          <a:noFill/>
-        </p:spPr>
-        <p:txBody>
-          <a:bodyPr vert="horz" wrap="square" rtlCol="0">
-            <a:spAutoFit/>
-          </a:bodyPr>
+        </p:spPr>
+      </p:pic>
+      <p:sp>
+        <p:nvSpPr>
+          <p:cNvPr id="2" name="Fußzeilenplatzhalter 1">
+            <a:extLst>
+              <a:ext uri="{FF2B5EF4-FFF2-40B4-BE49-F238E27FC236}">
+                <a16:creationId xmlns:a16="http://schemas.microsoft.com/office/drawing/2014/main" id="{2EA848F0-C58F-458D-694A-E299AB7A9997}"/>
+              </a:ext>
+            </a:extLst>
+          </p:cNvPr>
+          <p:cNvSpPr>
+            <a:spLocks noGrp="1"/>
+          </p:cNvSpPr>
+          <p:nvPr>
+            <p:ph type="ftr" sz="quarter" idx="11"/>
+          </p:nvPr>
+        </p:nvSpPr>
+        <p:spPr>
+          <a:xfrm>
+            <a:off x="484632" y="6419088"/>
+            <a:ext cx="11102560" cy="365125"/>
+          </a:xfrm>
+        </p:spPr>
+        <p:txBody>
+          <a:bodyPr/>
           <a:lstStyle/>
           <a:p>
-            <a:pPr algn="ctr"/>
-            <a:r>
-              <a:rPr lang="de-DE" sz="6000" dirty="0">
+            <a:r>
+              <a:rPr lang="en-US" dirty="0" err="1">
                 <a:solidFill>
-                  <a:srgbClr val="FF0000"/>
+                  <a:srgbClr val="697850"/>
                 </a:solidFill>
-                <a:latin typeface="Calibri" panose="020F0502020204030204" pitchFamily="34" charset="0"/>
-                <a:ea typeface="Calibri" panose="020F0502020204030204" pitchFamily="34" charset="0"/>
-                <a:cs typeface="Calibri" panose="020F0502020204030204" pitchFamily="34" charset="0"/>
               </a:rPr>
-              <a:t>Work In Progress</a:t>
+              <a:t>Abbildung</a:t>
+            </a:r>
+            <a:r>
+              <a:rPr lang="en-US" dirty="0">
+                <a:solidFill>
+                  <a:srgbClr val="697850"/>
+                </a:solidFill>
+              </a:rPr>
+              <a:t>: https://www.agroscope.admin.ch/agroscope/de/home/themen/lebensmittel/sensorik/_jcr_content/par/columncontrols/items/0/column/image/image.imagespooler.jpg/1610628125235/grundlagen-sensorik.jpg</a:t>
             </a:r>
           </a:p>
         </p:txBody>

--- a/Praesentation/Präsentation.pptx
+++ b/Praesentation/Präsentation.pptx
@@ -5208,7 +5208,7 @@
         </p:blipFill>
         <p:spPr>
           <a:xfrm>
-            <a:off x="1173239" y="3304245"/>
+            <a:off x="1063511" y="3759018"/>
             <a:ext cx="2099923" cy="2460734"/>
           </a:xfrm>
           <a:prstGeom prst="rect">
@@ -5244,7 +5244,7 @@
         </p:blipFill>
         <p:spPr>
           <a:xfrm>
-            <a:off x="1125739" y="798341"/>
+            <a:off x="8393068" y="798563"/>
             <a:ext cx="2592891" cy="1621141"/>
           </a:xfrm>
           <a:prstGeom prst="rect">
@@ -5274,7 +5274,7 @@
         </p:blipFill>
         <p:spPr>
           <a:xfrm>
-            <a:off x="8117530" y="1908617"/>
+            <a:off x="8034965" y="3102794"/>
             <a:ext cx="3469662" cy="3040766"/>
           </a:xfrm>
           <a:prstGeom prst="rect">
@@ -5327,6 +5327,42 @@
           </a:p>
         </p:txBody>
       </p:sp>
+      <p:pic>
+        <p:nvPicPr>
+          <p:cNvPr id="10" name="Grafik 9" descr="Ein Bild, das Text, Screenshot, Schrift enthält.">
+            <a:extLst>
+              <a:ext uri="{FF2B5EF4-FFF2-40B4-BE49-F238E27FC236}">
+                <a16:creationId xmlns:a16="http://schemas.microsoft.com/office/drawing/2014/main" id="{2F013C61-2B21-AF52-C919-737C0997947B}"/>
+              </a:ext>
+            </a:extLst>
+          </p:cNvPr>
+          <p:cNvPicPr>
+            <a:picLocks noChangeAspect="1"/>
+          </p:cNvPicPr>
+          <p:nvPr/>
+        </p:nvPicPr>
+        <p:blipFill>
+          <a:blip r:embed="rId8">
+            <a:extLst>
+              <a:ext uri="{28A0092B-C50C-407E-A947-70E740481C1C}">
+                <a14:useLocalDpi xmlns:a14="http://schemas.microsoft.com/office/drawing/2010/main" val="0"/>
+              </a:ext>
+            </a:extLst>
+          </a:blip>
+          <a:stretch>
+            <a:fillRect/>
+          </a:stretch>
+        </p:blipFill>
+        <p:spPr>
+          <a:xfrm>
+            <a:off x="744989" y="638248"/>
+            <a:ext cx="2736965" cy="2460734"/>
+          </a:xfrm>
+          <a:prstGeom prst="rect">
+            <a:avLst/>
+          </a:prstGeom>
+        </p:spPr>
+      </p:pic>
     </p:spTree>
     <p:extLst>
       <p:ext uri="{BB962C8B-B14F-4D97-AF65-F5344CB8AC3E}">
